--- a/presentation/convert_to_pdf/table.pptx
+++ b/presentation/convert_to_pdf/table.pptx
@@ -261,7 +261,7 @@
           <a:p>
             <a:fld id="{3C2B07E4-CDF9-4C88-A2F3-04620E58224D}" type="datetimeFigureOut">
               <a:rPr lang="en-US" smtClean="0"/>
-              <a:t>9/17/21</a:t>
+              <a:t>9/24/21</a:t>
             </a:fld>
             <a:endParaRPr lang="en-US"/>
           </a:p>
@@ -551,7 +551,7 @@
           <a:p>
             <a:fld id="{3C2B07E4-CDF9-4C88-A2F3-04620E58224D}" type="datetimeFigureOut">
               <a:rPr lang="en-US" smtClean="0"/>
-              <a:t>9/17/21</a:t>
+              <a:t>9/24/21</a:t>
             </a:fld>
             <a:endParaRPr lang="en-US"/>
           </a:p>
@@ -803,7 +803,7 @@
           <a:p>
             <a:fld id="{3C2B07E4-CDF9-4C88-A2F3-04620E58224D}" type="datetimeFigureOut">
               <a:rPr lang="en-US" smtClean="0"/>
-              <a:t>9/17/21</a:t>
+              <a:t>9/24/21</a:t>
             </a:fld>
             <a:endParaRPr lang="en-US"/>
           </a:p>
@@ -1055,7 +1055,7 @@
           <a:p>
             <a:fld id="{3C2B07E4-CDF9-4C88-A2F3-04620E58224D}" type="datetimeFigureOut">
               <a:rPr lang="en-US" smtClean="0"/>
-              <a:t>9/17/21</a:t>
+              <a:t>9/24/21</a:t>
             </a:fld>
             <a:endParaRPr lang="en-US"/>
           </a:p>
@@ -1384,7 +1384,7 @@
           <a:p>
             <a:fld id="{3C2B07E4-CDF9-4C88-A2F3-04620E58224D}" type="datetimeFigureOut">
               <a:rPr lang="en-US" smtClean="0"/>
-              <a:t>9/17/21</a:t>
+              <a:t>9/24/21</a:t>
             </a:fld>
             <a:endParaRPr lang="en-US"/>
           </a:p>
@@ -1734,7 +1734,7 @@
           <a:p>
             <a:fld id="{3C2B07E4-CDF9-4C88-A2F3-04620E58224D}" type="datetimeFigureOut">
               <a:rPr lang="en-US" smtClean="0"/>
-              <a:t>9/17/21</a:t>
+              <a:t>9/24/21</a:t>
             </a:fld>
             <a:endParaRPr lang="en-US"/>
           </a:p>
@@ -2246,7 +2246,7 @@
           <a:p>
             <a:fld id="{3C2B07E4-CDF9-4C88-A2F3-04620E58224D}" type="datetimeFigureOut">
               <a:rPr lang="en-US" smtClean="0"/>
-              <a:t>9/17/21</a:t>
+              <a:t>9/24/21</a:t>
             </a:fld>
             <a:endParaRPr lang="en-US"/>
           </a:p>
@@ -2574,7 +2574,7 @@
           <a:p>
             <a:fld id="{3C2B07E4-CDF9-4C88-A2F3-04620E58224D}" type="datetimeFigureOut">
               <a:rPr lang="en-US" smtClean="0"/>
-              <a:t>9/17/21</a:t>
+              <a:t>9/24/21</a:t>
             </a:fld>
             <a:endParaRPr lang="en-US"/>
           </a:p>
@@ -2687,7 +2687,7 @@
           <a:p>
             <a:fld id="{3C2B07E4-CDF9-4C88-A2F3-04620E58224D}" type="datetimeFigureOut">
               <a:rPr lang="en-US" smtClean="0"/>
-              <a:t>9/17/21</a:t>
+              <a:t>9/24/21</a:t>
             </a:fld>
             <a:endParaRPr lang="en-US"/>
           </a:p>
@@ -3028,7 +3028,7 @@
           <a:p>
             <a:fld id="{3C2B07E4-CDF9-4C88-A2F3-04620E58224D}" type="datetimeFigureOut">
               <a:rPr lang="en-US" smtClean="0"/>
-              <a:t>9/17/21</a:t>
+              <a:t>9/24/21</a:t>
             </a:fld>
             <a:endParaRPr lang="en-US"/>
           </a:p>
@@ -3328,7 +3328,7 @@
           <a:p>
             <a:fld id="{3C2B07E4-CDF9-4C88-A2F3-04620E58224D}" type="datetimeFigureOut">
               <a:rPr lang="en-US" smtClean="0"/>
-              <a:t>9/17/21</a:t>
+              <a:t>9/24/21</a:t>
             </a:fld>
             <a:endParaRPr lang="en-US"/>
           </a:p>
@@ -3568,7 +3568,7 @@
             <a:fld id="{3C2B07E4-CDF9-4C88-A2F3-04620E58224D}" type="datetimeFigureOut">
               <a:rPr lang="en-US" smtClean="0"/>
               <a:pPr/>
-              <a:t>9/17/21</a:t>
+              <a:t>9/24/21</a:t>
             </a:fld>
             <a:endParaRPr lang="en-US" dirty="0"/>
           </a:p>
